--- a/2025/Задание.pptx
+++ b/2025/Задание.pptx
@@ -61,14 +61,14 @@
       <p:boldItalic r:id="rId47"/>
     </p:embeddedFont>
     <p:embeddedFont>
-      <p:font typeface="Calibri" panose="020F0502020204030204" pitchFamily="34" charset="0"/>
+      <p:font typeface="Raleway" pitchFamily="2" charset="-52"/>
       <p:regular r:id="rId48"/>
       <p:bold r:id="rId49"/>
       <p:italic r:id="rId50"/>
       <p:boldItalic r:id="rId51"/>
     </p:embeddedFont>
     <p:embeddedFont>
-      <p:font typeface="Raleway" pitchFamily="2" charset="-52"/>
+      <p:font typeface="Calibri" panose="020F0502020204030204" pitchFamily="34" charset="0"/>
       <p:regular r:id="rId52"/>
       <p:bold r:id="rId53"/>
       <p:italic r:id="rId54"/>
@@ -339,7 +339,7 @@
       </p15:sldGuideLst>
     </p:ext>
     <p:ext uri="http://customooxmlschemas.google.com/">
-      <go:slidesCustomData xmlns:go="http://customooxmlschemas.google.com/" xmlns:ahyp="http://schemas.microsoft.com/office/drawing/2018/hyperlinkcolor" xmlns:p15="http://schemas.microsoft.com/office/powerpoint/2012/main" xmlns:p14="http://schemas.microsoft.com/office/powerpoint/2010/main" xmlns:com="http://schemas.openxmlformats.org/drawingml/2006/compatibility" xmlns:pvml="urn:schemas-microsoft-com:office:powerpoint" xmlns:v="urn:schemas-microsoft-com:vml" xmlns:o="urn:schemas-microsoft-com:office:office" xmlns:dgm="http://schemas.openxmlformats.org/drawingml/2006/diagram" xmlns:c="http://schemas.openxmlformats.org/drawingml/2006/chart" xmlns:mv="urn:schemas-microsoft-com:mac:vml" xmlns:mc="http://schemas.openxmlformats.org/markup-compatibility/2006" xmlns="" r:id="rId64" roundtripDataSignature="AMtx7mj3sTd9pDXQHbOoTcPDxTbIlpDeXA=="/>
+      <go:slidesCustomData xmlns="" xmlns:mc="http://schemas.openxmlformats.org/markup-compatibility/2006" xmlns:mv="urn:schemas-microsoft-com:mac:vml" xmlns:c="http://schemas.openxmlformats.org/drawingml/2006/chart" xmlns:dgm="http://schemas.openxmlformats.org/drawingml/2006/diagram" xmlns:o="urn:schemas-microsoft-com:office:office" xmlns:v="urn:schemas-microsoft-com:vml" xmlns:pvml="urn:schemas-microsoft-com:office:powerpoint" xmlns:com="http://schemas.openxmlformats.org/drawingml/2006/compatibility" xmlns:p14="http://schemas.microsoft.com/office/powerpoint/2010/main" xmlns:p15="http://schemas.microsoft.com/office/powerpoint/2012/main" xmlns:ahyp="http://schemas.microsoft.com/office/drawing/2018/hyperlinkcolor" xmlns:go="http://customooxmlschemas.google.com/" r:id="rId64" roundtripDataSignature="AMtx7mj3sTd9pDXQHbOoTcPDxTbIlpDeXA=="/>
     </p:ext>
   </p:extLst>
 </p:presentation>
@@ -18421,7 +18421,7 @@
 </file>
 
 <file path=ppt/slides/slide10.xml><?xml version="1.0" encoding="utf-8"?>
-<p:sld xmlns:a="http://schemas.openxmlformats.org/drawingml/2006/main" xmlns:r="http://schemas.openxmlformats.org/officeDocument/2006/relationships" xmlns:p="http://schemas.openxmlformats.org/presentationml/2006/main">
+<p:sld xmlns:a="http://schemas.openxmlformats.org/drawingml/2006/main" xmlns:r="http://schemas.openxmlformats.org/officeDocument/2006/relationships" xmlns:p="http://schemas.openxmlformats.org/presentationml/2006/main" show="0">
   <p:cSld>
     <p:spTree>
       <p:nvGrpSpPr>
@@ -19728,6 +19728,14 @@
   <p:clrMapOvr>
     <a:masterClrMapping/>
   </p:clrMapOvr>
+  <mc:AlternateContent xmlns:mc="http://schemas.openxmlformats.org/markup-compatibility/2006">
+    <mc:Choice xmlns:p14="http://schemas.microsoft.com/office/powerpoint/2010/main" Requires="p14">
+      <p:transition spd="slow" p14:dur="2000"/>
+    </mc:Choice>
+    <mc:Fallback>
+      <p:transition spd="slow"/>
+    </mc:Fallback>
+  </mc:AlternateContent>
   <p:timing>
     <p:tnLst>
       <p:par>
@@ -19739,7 +19747,7 @@
 </file>
 
 <file path=ppt/slides/slide11.xml><?xml version="1.0" encoding="utf-8"?>
-<p:sld xmlns:a="http://schemas.openxmlformats.org/drawingml/2006/main" xmlns:r="http://schemas.openxmlformats.org/officeDocument/2006/relationships" xmlns:p="http://schemas.openxmlformats.org/presentationml/2006/main">
+<p:sld xmlns:a="http://schemas.openxmlformats.org/drawingml/2006/main" xmlns:r="http://schemas.openxmlformats.org/officeDocument/2006/relationships" xmlns:p="http://schemas.openxmlformats.org/presentationml/2006/main" show="0">
   <p:cSld>
     <p:spTree>
       <p:nvGrpSpPr>
@@ -21025,6 +21033,14 @@
   <p:clrMapOvr>
     <a:masterClrMapping/>
   </p:clrMapOvr>
+  <mc:AlternateContent xmlns:mc="http://schemas.openxmlformats.org/markup-compatibility/2006">
+    <mc:Choice xmlns:p14="http://schemas.microsoft.com/office/powerpoint/2010/main" Requires="p14">
+      <p:transition spd="slow" p14:dur="2000"/>
+    </mc:Choice>
+    <mc:Fallback>
+      <p:transition spd="slow"/>
+    </mc:Fallback>
+  </mc:AlternateContent>
   <p:timing>
     <p:tnLst>
       <p:par>
@@ -21036,7 +21052,7 @@
 </file>
 
 <file path=ppt/slides/slide12.xml><?xml version="1.0" encoding="utf-8"?>
-<p:sld xmlns:a="http://schemas.openxmlformats.org/drawingml/2006/main" xmlns:r="http://schemas.openxmlformats.org/officeDocument/2006/relationships" xmlns:p="http://schemas.openxmlformats.org/presentationml/2006/main">
+<p:sld xmlns:a="http://schemas.openxmlformats.org/drawingml/2006/main" xmlns:r="http://schemas.openxmlformats.org/officeDocument/2006/relationships" xmlns:p="http://schemas.openxmlformats.org/presentationml/2006/main" show="0">
   <p:cSld>
     <p:spTree>
       <p:nvGrpSpPr>
@@ -21580,6 +21596,14 @@
   <p:clrMapOvr>
     <a:masterClrMapping/>
   </p:clrMapOvr>
+  <mc:AlternateContent xmlns:mc="http://schemas.openxmlformats.org/markup-compatibility/2006">
+    <mc:Choice xmlns:p14="http://schemas.microsoft.com/office/powerpoint/2010/main" Requires="p14">
+      <p:transition spd="slow" p14:dur="2000"/>
+    </mc:Choice>
+    <mc:Fallback>
+      <p:transition spd="slow"/>
+    </mc:Fallback>
+  </mc:AlternateContent>
   <p:timing>
     <p:tnLst>
       <p:par>
@@ -21591,7 +21615,7 @@
 </file>
 
 <file path=ppt/slides/slide13.xml><?xml version="1.0" encoding="utf-8"?>
-<p:sld xmlns:a="http://schemas.openxmlformats.org/drawingml/2006/main" xmlns:r="http://schemas.openxmlformats.org/officeDocument/2006/relationships" xmlns:p="http://schemas.openxmlformats.org/presentationml/2006/main">
+<p:sld xmlns:a="http://schemas.openxmlformats.org/drawingml/2006/main" xmlns:r="http://schemas.openxmlformats.org/officeDocument/2006/relationships" xmlns:p="http://schemas.openxmlformats.org/presentationml/2006/main" show="0">
   <p:cSld>
     <p:spTree>
       <p:nvGrpSpPr>
@@ -22108,6 +22132,14 @@
   <p:clrMapOvr>
     <a:masterClrMapping/>
   </p:clrMapOvr>
+  <mc:AlternateContent xmlns:mc="http://schemas.openxmlformats.org/markup-compatibility/2006">
+    <mc:Choice xmlns:p14="http://schemas.microsoft.com/office/powerpoint/2010/main" Requires="p14">
+      <p:transition spd="slow" p14:dur="2000"/>
+    </mc:Choice>
+    <mc:Fallback>
+      <p:transition spd="slow"/>
+    </mc:Fallback>
+  </mc:AlternateContent>
   <p:timing>
     <p:tnLst>
       <p:par>
@@ -22119,7 +22151,7 @@
 </file>
 
 <file path=ppt/slides/slide14.xml><?xml version="1.0" encoding="utf-8"?>
-<p:sld xmlns:a="http://schemas.openxmlformats.org/drawingml/2006/main" xmlns:r="http://schemas.openxmlformats.org/officeDocument/2006/relationships" xmlns:p="http://schemas.openxmlformats.org/presentationml/2006/main">
+<p:sld xmlns:a="http://schemas.openxmlformats.org/drawingml/2006/main" xmlns:r="http://schemas.openxmlformats.org/officeDocument/2006/relationships" xmlns:p="http://schemas.openxmlformats.org/presentationml/2006/main" show="0">
   <p:cSld>
     <p:spTree>
       <p:nvGrpSpPr>
@@ -22902,6 +22934,14 @@
   <p:clrMapOvr>
     <a:masterClrMapping/>
   </p:clrMapOvr>
+  <mc:AlternateContent xmlns:mc="http://schemas.openxmlformats.org/markup-compatibility/2006">
+    <mc:Choice xmlns:p14="http://schemas.microsoft.com/office/powerpoint/2010/main" Requires="p14">
+      <p:transition spd="slow" p14:dur="2000"/>
+    </mc:Choice>
+    <mc:Fallback>
+      <p:transition spd="slow"/>
+    </mc:Fallback>
+  </mc:AlternateContent>
   <p:timing>
     <p:tnLst>
       <p:par>
@@ -22913,7 +22953,7 @@
 </file>
 
 <file path=ppt/slides/slide15.xml><?xml version="1.0" encoding="utf-8"?>
-<p:sld xmlns:a="http://schemas.openxmlformats.org/drawingml/2006/main" xmlns:r="http://schemas.openxmlformats.org/officeDocument/2006/relationships" xmlns:p="http://schemas.openxmlformats.org/presentationml/2006/main">
+<p:sld xmlns:a="http://schemas.openxmlformats.org/drawingml/2006/main" xmlns:r="http://schemas.openxmlformats.org/officeDocument/2006/relationships" xmlns:p="http://schemas.openxmlformats.org/presentationml/2006/main" show="0">
   <p:cSld>
     <p:spTree>
       <p:nvGrpSpPr>
@@ -24270,6 +24310,14 @@
   <p:clrMapOvr>
     <a:masterClrMapping/>
   </p:clrMapOvr>
+  <mc:AlternateContent xmlns:mc="http://schemas.openxmlformats.org/markup-compatibility/2006">
+    <mc:Choice xmlns:p14="http://schemas.microsoft.com/office/powerpoint/2010/main" Requires="p14">
+      <p:transition spd="slow" p14:dur="2000"/>
+    </mc:Choice>
+    <mc:Fallback>
+      <p:transition spd="slow"/>
+    </mc:Fallback>
+  </mc:AlternateContent>
   <p:timing>
     <p:tnLst>
       <p:par>
@@ -24281,7 +24329,7 @@
 </file>
 
 <file path=ppt/slides/slide16.xml><?xml version="1.0" encoding="utf-8"?>
-<p:sld xmlns:a="http://schemas.openxmlformats.org/drawingml/2006/main" xmlns:r="http://schemas.openxmlformats.org/officeDocument/2006/relationships" xmlns:p="http://schemas.openxmlformats.org/presentationml/2006/main">
+<p:sld xmlns:a="http://schemas.openxmlformats.org/drawingml/2006/main" xmlns:r="http://schemas.openxmlformats.org/officeDocument/2006/relationships" xmlns:p="http://schemas.openxmlformats.org/presentationml/2006/main" show="0">
   <p:cSld>
     <p:spTree>
       <p:nvGrpSpPr>
@@ -24967,6 +25015,14 @@
   <p:clrMapOvr>
     <a:masterClrMapping/>
   </p:clrMapOvr>
+  <mc:AlternateContent xmlns:mc="http://schemas.openxmlformats.org/markup-compatibility/2006">
+    <mc:Choice xmlns:p14="http://schemas.microsoft.com/office/powerpoint/2010/main" Requires="p14">
+      <p:transition spd="slow" p14:dur="2000"/>
+    </mc:Choice>
+    <mc:Fallback>
+      <p:transition spd="slow"/>
+    </mc:Fallback>
+  </mc:AlternateContent>
   <p:timing>
     <p:tnLst>
       <p:par>
@@ -24978,7 +25034,7 @@
 </file>
 
 <file path=ppt/slides/slide17.xml><?xml version="1.0" encoding="utf-8"?>
-<p:sld xmlns:a="http://schemas.openxmlformats.org/drawingml/2006/main" xmlns:r="http://schemas.openxmlformats.org/officeDocument/2006/relationships" xmlns:p="http://schemas.openxmlformats.org/presentationml/2006/main">
+<p:sld xmlns:a="http://schemas.openxmlformats.org/drawingml/2006/main" xmlns:r="http://schemas.openxmlformats.org/officeDocument/2006/relationships" xmlns:p="http://schemas.openxmlformats.org/presentationml/2006/main" show="0">
   <p:cSld>
     <p:spTree>
       <p:nvGrpSpPr>
@@ -25305,6 +25361,14 @@
   <p:clrMapOvr>
     <a:masterClrMapping/>
   </p:clrMapOvr>
+  <mc:AlternateContent xmlns:mc="http://schemas.openxmlformats.org/markup-compatibility/2006">
+    <mc:Choice xmlns:p14="http://schemas.microsoft.com/office/powerpoint/2010/main" Requires="p14">
+      <p:transition spd="slow" p14:dur="2000"/>
+    </mc:Choice>
+    <mc:Fallback>
+      <p:transition spd="slow"/>
+    </mc:Fallback>
+  </mc:AlternateContent>
   <p:timing>
     <p:tnLst>
       <p:par>
@@ -25316,7 +25380,7 @@
 </file>
 
 <file path=ppt/slides/slide18.xml><?xml version="1.0" encoding="utf-8"?>
-<p:sld xmlns:a="http://schemas.openxmlformats.org/drawingml/2006/main" xmlns:r="http://schemas.openxmlformats.org/officeDocument/2006/relationships" xmlns:p="http://schemas.openxmlformats.org/presentationml/2006/main">
+<p:sld xmlns:a="http://schemas.openxmlformats.org/drawingml/2006/main" xmlns:r="http://schemas.openxmlformats.org/officeDocument/2006/relationships" xmlns:p="http://schemas.openxmlformats.org/presentationml/2006/main" show="0">
   <p:cSld>
     <p:spTree>
       <p:nvGrpSpPr>
@@ -25901,6 +25965,14 @@
   <p:clrMapOvr>
     <a:masterClrMapping/>
   </p:clrMapOvr>
+  <mc:AlternateContent xmlns:mc="http://schemas.openxmlformats.org/markup-compatibility/2006">
+    <mc:Choice xmlns:p14="http://schemas.microsoft.com/office/powerpoint/2010/main" Requires="p14">
+      <p:transition spd="slow" p14:dur="2000"/>
+    </mc:Choice>
+    <mc:Fallback>
+      <p:transition spd="slow"/>
+    </mc:Fallback>
+  </mc:AlternateContent>
   <p:timing>
     <p:tnLst>
       <p:par>
@@ -25912,7 +25984,7 @@
 </file>
 
 <file path=ppt/slides/slide19.xml><?xml version="1.0" encoding="utf-8"?>
-<p:sld xmlns:a="http://schemas.openxmlformats.org/drawingml/2006/main" xmlns:r="http://schemas.openxmlformats.org/officeDocument/2006/relationships" xmlns:p="http://schemas.openxmlformats.org/presentationml/2006/main">
+<p:sld xmlns:a="http://schemas.openxmlformats.org/drawingml/2006/main" xmlns:r="http://schemas.openxmlformats.org/officeDocument/2006/relationships" xmlns:p="http://schemas.openxmlformats.org/presentationml/2006/main" show="0">
   <p:cSld>
     <p:spTree>
       <p:nvGrpSpPr>
@@ -26346,6 +26418,14 @@
   <p:clrMapOvr>
     <a:masterClrMapping/>
   </p:clrMapOvr>
+  <mc:AlternateContent xmlns:mc="http://schemas.openxmlformats.org/markup-compatibility/2006">
+    <mc:Choice xmlns:p14="http://schemas.microsoft.com/office/powerpoint/2010/main" Requires="p14">
+      <p:transition spd="slow" p14:dur="2000"/>
+    </mc:Choice>
+    <mc:Fallback>
+      <p:transition spd="slow"/>
+    </mc:Fallback>
+  </mc:AlternateContent>
   <p:timing>
     <p:tnLst>
       <p:par>
@@ -26920,7 +27000,7 @@
 </file>
 
 <file path=ppt/slides/slide20.xml><?xml version="1.0" encoding="utf-8"?>
-<p:sld xmlns:a="http://schemas.openxmlformats.org/drawingml/2006/main" xmlns:r="http://schemas.openxmlformats.org/officeDocument/2006/relationships" xmlns:p="http://schemas.openxmlformats.org/presentationml/2006/main">
+<p:sld xmlns:a="http://schemas.openxmlformats.org/drawingml/2006/main" xmlns:r="http://schemas.openxmlformats.org/officeDocument/2006/relationships" xmlns:p="http://schemas.openxmlformats.org/presentationml/2006/main" show="0">
   <p:cSld>
     <p:spTree>
       <p:nvGrpSpPr>
@@ -27153,6 +27233,14 @@
   <p:clrMapOvr>
     <a:masterClrMapping/>
   </p:clrMapOvr>
+  <mc:AlternateContent xmlns:mc="http://schemas.openxmlformats.org/markup-compatibility/2006">
+    <mc:Choice xmlns:p14="http://schemas.microsoft.com/office/powerpoint/2010/main" Requires="p14">
+      <p:transition spd="slow" p14:dur="2000"/>
+    </mc:Choice>
+    <mc:Fallback>
+      <p:transition spd="slow"/>
+    </mc:Fallback>
+  </mc:AlternateContent>
   <p:timing>
     <p:tnLst>
       <p:par>
@@ -27164,7 +27252,7 @@
 </file>
 
 <file path=ppt/slides/slide21.xml><?xml version="1.0" encoding="utf-8"?>
-<p:sld xmlns:a="http://schemas.openxmlformats.org/drawingml/2006/main" xmlns:r="http://schemas.openxmlformats.org/officeDocument/2006/relationships" xmlns:p="http://schemas.openxmlformats.org/presentationml/2006/main">
+<p:sld xmlns:a="http://schemas.openxmlformats.org/drawingml/2006/main" xmlns:r="http://schemas.openxmlformats.org/officeDocument/2006/relationships" xmlns:p="http://schemas.openxmlformats.org/presentationml/2006/main" show="0">
   <p:cSld>
     <p:spTree>
       <p:nvGrpSpPr>
@@ -27517,6 +27605,14 @@
   <p:clrMapOvr>
     <a:masterClrMapping/>
   </p:clrMapOvr>
+  <mc:AlternateContent xmlns:mc="http://schemas.openxmlformats.org/markup-compatibility/2006">
+    <mc:Choice xmlns:p14="http://schemas.microsoft.com/office/powerpoint/2010/main" Requires="p14">
+      <p:transition spd="slow" p14:dur="2000"/>
+    </mc:Choice>
+    <mc:Fallback>
+      <p:transition spd="slow"/>
+    </mc:Fallback>
+  </mc:AlternateContent>
   <p:timing>
     <p:tnLst>
       <p:par>
@@ -27528,7 +27624,7 @@
 </file>
 
 <file path=ppt/slides/slide22.xml><?xml version="1.0" encoding="utf-8"?>
-<p:sld xmlns:a="http://schemas.openxmlformats.org/drawingml/2006/main" xmlns:r="http://schemas.openxmlformats.org/officeDocument/2006/relationships" xmlns:p="http://schemas.openxmlformats.org/presentationml/2006/main">
+<p:sld xmlns:a="http://schemas.openxmlformats.org/drawingml/2006/main" xmlns:r="http://schemas.openxmlformats.org/officeDocument/2006/relationships" xmlns:p="http://schemas.openxmlformats.org/presentationml/2006/main" show="0">
   <p:cSld>
     <p:spTree>
       <p:nvGrpSpPr>
@@ -27901,6 +27997,14 @@
   <p:clrMapOvr>
     <a:masterClrMapping/>
   </p:clrMapOvr>
+  <mc:AlternateContent xmlns:mc="http://schemas.openxmlformats.org/markup-compatibility/2006">
+    <mc:Choice xmlns:p14="http://schemas.microsoft.com/office/powerpoint/2010/main" Requires="p14">
+      <p:transition spd="slow" p14:dur="2000"/>
+    </mc:Choice>
+    <mc:Fallback>
+      <p:transition spd="slow"/>
+    </mc:Fallback>
+  </mc:AlternateContent>
   <p:timing>
     <p:tnLst>
       <p:par>
@@ -27912,7 +28016,7 @@
 </file>
 
 <file path=ppt/slides/slide23.xml><?xml version="1.0" encoding="utf-8"?>
-<p:sld xmlns:a="http://schemas.openxmlformats.org/drawingml/2006/main" xmlns:r="http://schemas.openxmlformats.org/officeDocument/2006/relationships" xmlns:p="http://schemas.openxmlformats.org/presentationml/2006/main">
+<p:sld xmlns:a="http://schemas.openxmlformats.org/drawingml/2006/main" xmlns:r="http://schemas.openxmlformats.org/officeDocument/2006/relationships" xmlns:p="http://schemas.openxmlformats.org/presentationml/2006/main" show="0">
   <p:cSld>
     <p:spTree>
       <p:nvGrpSpPr>
@@ -28776,6 +28880,14 @@
   <p:clrMapOvr>
     <a:masterClrMapping/>
   </p:clrMapOvr>
+  <mc:AlternateContent xmlns:mc="http://schemas.openxmlformats.org/markup-compatibility/2006">
+    <mc:Choice xmlns:p14="http://schemas.microsoft.com/office/powerpoint/2010/main" Requires="p14">
+      <p:transition spd="slow" p14:dur="2000"/>
+    </mc:Choice>
+    <mc:Fallback>
+      <p:transition spd="slow"/>
+    </mc:Fallback>
+  </mc:AlternateContent>
   <p:timing>
     <p:tnLst>
       <p:par>
@@ -28787,7 +28899,7 @@
 </file>
 
 <file path=ppt/slides/slide24.xml><?xml version="1.0" encoding="utf-8"?>
-<p:sld xmlns:a="http://schemas.openxmlformats.org/drawingml/2006/main" xmlns:r="http://schemas.openxmlformats.org/officeDocument/2006/relationships" xmlns:p="http://schemas.openxmlformats.org/presentationml/2006/main">
+<p:sld xmlns:a="http://schemas.openxmlformats.org/drawingml/2006/main" xmlns:r="http://schemas.openxmlformats.org/officeDocument/2006/relationships" xmlns:p="http://schemas.openxmlformats.org/presentationml/2006/main" show="0">
   <p:cSld>
     <p:spTree>
       <p:nvGrpSpPr>
@@ -29497,6 +29609,14 @@
   <p:clrMapOvr>
     <a:masterClrMapping/>
   </p:clrMapOvr>
+  <mc:AlternateContent xmlns:mc="http://schemas.openxmlformats.org/markup-compatibility/2006">
+    <mc:Choice xmlns:p14="http://schemas.microsoft.com/office/powerpoint/2010/main" Requires="p14">
+      <p:transition spd="slow" p14:dur="2000"/>
+    </mc:Choice>
+    <mc:Fallback>
+      <p:transition spd="slow"/>
+    </mc:Fallback>
+  </mc:AlternateContent>
   <p:timing>
     <p:tnLst>
       <p:par>
@@ -29508,7 +29628,7 @@
 </file>
 
 <file path=ppt/slides/slide25.xml><?xml version="1.0" encoding="utf-8"?>
-<p:sld xmlns:a="http://schemas.openxmlformats.org/drawingml/2006/main" xmlns:r="http://schemas.openxmlformats.org/officeDocument/2006/relationships" xmlns:p="http://schemas.openxmlformats.org/presentationml/2006/main">
+<p:sld xmlns:a="http://schemas.openxmlformats.org/drawingml/2006/main" xmlns:r="http://schemas.openxmlformats.org/officeDocument/2006/relationships" xmlns:p="http://schemas.openxmlformats.org/presentationml/2006/main" show="0">
   <p:cSld>
     <p:spTree>
       <p:nvGrpSpPr>
@@ -29843,6 +29963,14 @@
   <p:clrMapOvr>
     <a:masterClrMapping/>
   </p:clrMapOvr>
+  <mc:AlternateContent xmlns:mc="http://schemas.openxmlformats.org/markup-compatibility/2006">
+    <mc:Choice xmlns:p14="http://schemas.microsoft.com/office/powerpoint/2010/main" Requires="p14">
+      <p:transition spd="slow" p14:dur="2000"/>
+    </mc:Choice>
+    <mc:Fallback>
+      <p:transition spd="slow"/>
+    </mc:Fallback>
+  </mc:AlternateContent>
   <p:timing>
     <p:tnLst>
       <p:par>
@@ -29854,7 +29982,7 @@
 </file>
 
 <file path=ppt/slides/slide26.xml><?xml version="1.0" encoding="utf-8"?>
-<p:sld xmlns:a="http://schemas.openxmlformats.org/drawingml/2006/main" xmlns:r="http://schemas.openxmlformats.org/officeDocument/2006/relationships" xmlns:p="http://schemas.openxmlformats.org/presentationml/2006/main">
+<p:sld xmlns:a="http://schemas.openxmlformats.org/drawingml/2006/main" xmlns:r="http://schemas.openxmlformats.org/officeDocument/2006/relationships" xmlns:p="http://schemas.openxmlformats.org/presentationml/2006/main" show="0">
   <p:cSld>
     <p:spTree>
       <p:nvGrpSpPr>
@@ -29976,6 +30104,14 @@
   <p:clrMapOvr>
     <a:masterClrMapping/>
   </p:clrMapOvr>
+  <mc:AlternateContent xmlns:mc="http://schemas.openxmlformats.org/markup-compatibility/2006">
+    <mc:Choice xmlns:p14="http://schemas.microsoft.com/office/powerpoint/2010/main" Requires="p14">
+      <p:transition spd="slow" p14:dur="2000"/>
+    </mc:Choice>
+    <mc:Fallback>
+      <p:transition spd="slow"/>
+    </mc:Fallback>
+  </mc:AlternateContent>
   <p:timing>
     <p:tnLst>
       <p:par>
@@ -29987,7 +30123,7 @@
 </file>
 
 <file path=ppt/slides/slide27.xml><?xml version="1.0" encoding="utf-8"?>
-<p:sld xmlns:a="http://schemas.openxmlformats.org/drawingml/2006/main" xmlns:r="http://schemas.openxmlformats.org/officeDocument/2006/relationships" xmlns:p="http://schemas.openxmlformats.org/presentationml/2006/main">
+<p:sld xmlns:a="http://schemas.openxmlformats.org/drawingml/2006/main" xmlns:r="http://schemas.openxmlformats.org/officeDocument/2006/relationships" xmlns:p="http://schemas.openxmlformats.org/presentationml/2006/main" show="0">
   <p:cSld>
     <p:spTree>
       <p:nvGrpSpPr>
@@ -30168,6 +30304,14 @@
   <p:clrMapOvr>
     <a:masterClrMapping/>
   </p:clrMapOvr>
+  <mc:AlternateContent xmlns:mc="http://schemas.openxmlformats.org/markup-compatibility/2006">
+    <mc:Choice xmlns:p14="http://schemas.microsoft.com/office/powerpoint/2010/main" Requires="p14">
+      <p:transition spd="slow" p14:dur="2000"/>
+    </mc:Choice>
+    <mc:Fallback>
+      <p:transition spd="slow"/>
+    </mc:Fallback>
+  </mc:AlternateContent>
   <p:timing>
     <p:tnLst>
       <p:par>
@@ -30179,7 +30323,7 @@
 </file>
 
 <file path=ppt/slides/slide28.xml><?xml version="1.0" encoding="utf-8"?>
-<p:sld xmlns:a="http://schemas.openxmlformats.org/drawingml/2006/main" xmlns:r="http://schemas.openxmlformats.org/officeDocument/2006/relationships" xmlns:p="http://schemas.openxmlformats.org/presentationml/2006/main">
+<p:sld xmlns:a="http://schemas.openxmlformats.org/drawingml/2006/main" xmlns:r="http://schemas.openxmlformats.org/officeDocument/2006/relationships" xmlns:p="http://schemas.openxmlformats.org/presentationml/2006/main" show="0">
   <p:cSld>
     <p:spTree>
       <p:nvGrpSpPr>
@@ -30566,6 +30710,14 @@
   <p:clrMapOvr>
     <a:masterClrMapping/>
   </p:clrMapOvr>
+  <mc:AlternateContent xmlns:mc="http://schemas.openxmlformats.org/markup-compatibility/2006">
+    <mc:Choice xmlns:p14="http://schemas.microsoft.com/office/powerpoint/2010/main" Requires="p14">
+      <p:transition spd="slow" p14:dur="2000"/>
+    </mc:Choice>
+    <mc:Fallback>
+      <p:transition spd="slow"/>
+    </mc:Fallback>
+  </mc:AlternateContent>
   <p:timing>
     <p:tnLst>
       <p:par>
@@ -30577,7 +30729,7 @@
 </file>
 
 <file path=ppt/slides/slide29.xml><?xml version="1.0" encoding="utf-8"?>
-<p:sld xmlns:a="http://schemas.openxmlformats.org/drawingml/2006/main" xmlns:r="http://schemas.openxmlformats.org/officeDocument/2006/relationships" xmlns:p="http://schemas.openxmlformats.org/presentationml/2006/main">
+<p:sld xmlns:a="http://schemas.openxmlformats.org/drawingml/2006/main" xmlns:r="http://schemas.openxmlformats.org/officeDocument/2006/relationships" xmlns:p="http://schemas.openxmlformats.org/presentationml/2006/main" show="0">
   <p:cSld>
     <p:spTree>
       <p:nvGrpSpPr>
@@ -30883,6 +31035,14 @@
   <p:clrMapOvr>
     <a:masterClrMapping/>
   </p:clrMapOvr>
+  <mc:AlternateContent xmlns:mc="http://schemas.openxmlformats.org/markup-compatibility/2006">
+    <mc:Choice xmlns:p14="http://schemas.microsoft.com/office/powerpoint/2010/main" Requires="p14">
+      <p:transition spd="slow" p14:dur="2000"/>
+    </mc:Choice>
+    <mc:Fallback>
+      <p:transition spd="slow"/>
+    </mc:Fallback>
+  </mc:AlternateContent>
   <p:timing>
     <p:tnLst>
       <p:par>
@@ -30986,19 +31146,7 @@
                 <a:cs typeface="Calibri"/>
                 <a:sym typeface="Roboto Medium"/>
               </a:rPr>
-              <a:t>. </a:t>
-            </a:r>
-            <a:r>
-              <a:rPr lang="ru-RU" sz="4400" dirty="0" smtClean="0">
-                <a:solidFill>
-                  <a:schemeClr val="dk1"/>
-                </a:solidFill>
-                <a:latin typeface="Calibri"/>
-                <a:ea typeface="Calibri"/>
-                <a:cs typeface="Calibri"/>
-                <a:sym typeface="Roboto Medium"/>
-              </a:rPr>
-              <a:t>Схема и постановка задачи</a:t>
+              <a:t>. Схема и постановка задачи</a:t>
             </a:r>
             <a:endParaRPr sz="4400" dirty="0">
               <a:solidFill>
@@ -31009,6 +31157,44 @@
               <a:cs typeface="Calibri"/>
               <a:sym typeface="Roboto Medium"/>
             </a:endParaRPr>
+          </a:p>
+        </p:txBody>
+      </p:sp>
+      <p:sp>
+        <p:nvSpPr>
+          <p:cNvPr id="2" name="Прямоугольник 1"/>
+          <p:cNvSpPr/>
+          <p:nvPr/>
+        </p:nvSpPr>
+        <p:spPr>
+          <a:xfrm>
+            <a:off x="3636031" y="3275112"/>
+            <a:ext cx="6779420" cy="523220"/>
+          </a:xfrm>
+          <a:prstGeom prst="rect">
+            <a:avLst/>
+          </a:prstGeom>
+        </p:spPr>
+        <p:txBody>
+          <a:bodyPr wrap="none">
+            <a:spAutoFit/>
+          </a:bodyPr>
+          <a:lstStyle/>
+          <a:p>
+            <a:r>
+              <a:rPr lang="ru-RU" dirty="0" smtClean="0"/>
+              <a:t>Нарисовать общую схему , можно разбить на этапы по УГТ, или единую схему.</a:t>
+            </a:r>
+          </a:p>
+          <a:p>
+            <a:r>
+              <a:rPr lang="ru-RU" dirty="0" smtClean="0"/>
+              <a:t>Проработать </a:t>
+            </a:r>
+            <a:r>
+              <a:rPr lang="ru-RU" dirty="0"/>
+              <a:t>УГТ проекта и что они значат для решения</a:t>
+            </a:r>
           </a:p>
         </p:txBody>
       </p:sp>
@@ -31033,7 +31219,7 @@
 </file>
 
 <file path=ppt/slides/slide30.xml><?xml version="1.0" encoding="utf-8"?>
-<p:sld xmlns:a="http://schemas.openxmlformats.org/drawingml/2006/main" xmlns:r="http://schemas.openxmlformats.org/officeDocument/2006/relationships" xmlns:p="http://schemas.openxmlformats.org/presentationml/2006/main">
+<p:sld xmlns:a="http://schemas.openxmlformats.org/drawingml/2006/main" xmlns:r="http://schemas.openxmlformats.org/officeDocument/2006/relationships" xmlns:p="http://schemas.openxmlformats.org/presentationml/2006/main" show="0">
   <p:cSld>
     <p:spTree>
       <p:nvGrpSpPr>
@@ -31197,6 +31383,14 @@
   <p:clrMapOvr>
     <a:masterClrMapping/>
   </p:clrMapOvr>
+  <mc:AlternateContent xmlns:mc="http://schemas.openxmlformats.org/markup-compatibility/2006">
+    <mc:Choice xmlns:p14="http://schemas.microsoft.com/office/powerpoint/2010/main" Requires="p14">
+      <p:transition spd="slow" p14:dur="2000"/>
+    </mc:Choice>
+    <mc:Fallback>
+      <p:transition spd="slow"/>
+    </mc:Fallback>
+  </mc:AlternateContent>
   <p:timing>
     <p:tnLst>
       <p:par>
@@ -31208,7 +31402,7 @@
 </file>
 
 <file path=ppt/slides/slide31.xml><?xml version="1.0" encoding="utf-8"?>
-<p:sld xmlns:a="http://schemas.openxmlformats.org/drawingml/2006/main" xmlns:r="http://schemas.openxmlformats.org/officeDocument/2006/relationships" xmlns:p="http://schemas.openxmlformats.org/presentationml/2006/main">
+<p:sld xmlns:a="http://schemas.openxmlformats.org/drawingml/2006/main" xmlns:r="http://schemas.openxmlformats.org/officeDocument/2006/relationships" xmlns:p="http://schemas.openxmlformats.org/presentationml/2006/main" show="0">
   <p:cSld>
     <p:spTree>
       <p:nvGrpSpPr>
@@ -31388,6 +31582,14 @@
   <p:clrMapOvr>
     <a:masterClrMapping/>
   </p:clrMapOvr>
+  <mc:AlternateContent xmlns:mc="http://schemas.openxmlformats.org/markup-compatibility/2006">
+    <mc:Choice xmlns:p14="http://schemas.microsoft.com/office/powerpoint/2010/main" Requires="p14">
+      <p:transition spd="slow" p14:dur="2000"/>
+    </mc:Choice>
+    <mc:Fallback>
+      <p:transition spd="slow"/>
+    </mc:Fallback>
+  </mc:AlternateContent>
   <p:timing>
     <p:tnLst>
       <p:par>
@@ -31399,7 +31601,7 @@
 </file>
 
 <file path=ppt/slides/slide32.xml><?xml version="1.0" encoding="utf-8"?>
-<p:sld xmlns:a="http://schemas.openxmlformats.org/drawingml/2006/main" xmlns:r="http://schemas.openxmlformats.org/officeDocument/2006/relationships" xmlns:p="http://schemas.openxmlformats.org/presentationml/2006/main">
+<p:sld xmlns:a="http://schemas.openxmlformats.org/drawingml/2006/main" xmlns:r="http://schemas.openxmlformats.org/officeDocument/2006/relationships" xmlns:p="http://schemas.openxmlformats.org/presentationml/2006/main" show="0">
   <p:cSld>
     <p:spTree>
       <p:nvGrpSpPr>
@@ -31593,6 +31795,14 @@
   <p:clrMapOvr>
     <a:masterClrMapping/>
   </p:clrMapOvr>
+  <mc:AlternateContent xmlns:mc="http://schemas.openxmlformats.org/markup-compatibility/2006">
+    <mc:Choice xmlns:p14="http://schemas.microsoft.com/office/powerpoint/2010/main" Requires="p14">
+      <p:transition spd="slow" p14:dur="2000"/>
+    </mc:Choice>
+    <mc:Fallback>
+      <p:transition spd="slow"/>
+    </mc:Fallback>
+  </mc:AlternateContent>
   <p:timing>
     <p:tnLst>
       <p:par>
@@ -31604,7 +31814,7 @@
 </file>
 
 <file path=ppt/slides/slide33.xml><?xml version="1.0" encoding="utf-8"?>
-<p:sld xmlns:a="http://schemas.openxmlformats.org/drawingml/2006/main" xmlns:r="http://schemas.openxmlformats.org/officeDocument/2006/relationships" xmlns:p="http://schemas.openxmlformats.org/presentationml/2006/main">
+<p:sld xmlns:a="http://schemas.openxmlformats.org/drawingml/2006/main" xmlns:r="http://schemas.openxmlformats.org/officeDocument/2006/relationships" xmlns:p="http://schemas.openxmlformats.org/presentationml/2006/main" show="0">
   <p:cSld>
     <p:spTree>
       <p:nvGrpSpPr>
@@ -31851,6 +32061,14 @@
   <p:clrMapOvr>
     <a:masterClrMapping/>
   </p:clrMapOvr>
+  <mc:AlternateContent xmlns:mc="http://schemas.openxmlformats.org/markup-compatibility/2006">
+    <mc:Choice xmlns:p14="http://schemas.microsoft.com/office/powerpoint/2010/main" Requires="p14">
+      <p:transition spd="slow" p14:dur="2000"/>
+    </mc:Choice>
+    <mc:Fallback>
+      <p:transition spd="slow"/>
+    </mc:Fallback>
+  </mc:AlternateContent>
   <p:timing>
     <p:tnLst>
       <p:par>
@@ -31862,7 +32080,7 @@
 </file>
 
 <file path=ppt/slides/slide34.xml><?xml version="1.0" encoding="utf-8"?>
-<p:sld xmlns:a="http://schemas.openxmlformats.org/drawingml/2006/main" xmlns:r="http://schemas.openxmlformats.org/officeDocument/2006/relationships" xmlns:p="http://schemas.openxmlformats.org/presentationml/2006/main">
+<p:sld xmlns:a="http://schemas.openxmlformats.org/drawingml/2006/main" xmlns:r="http://schemas.openxmlformats.org/officeDocument/2006/relationships" xmlns:p="http://schemas.openxmlformats.org/presentationml/2006/main" show="0">
   <p:cSld>
     <p:spTree>
       <p:nvGrpSpPr>
@@ -32140,6 +32358,14 @@
   <p:clrMapOvr>
     <a:masterClrMapping/>
   </p:clrMapOvr>
+  <mc:AlternateContent xmlns:mc="http://schemas.openxmlformats.org/markup-compatibility/2006">
+    <mc:Choice xmlns:p14="http://schemas.microsoft.com/office/powerpoint/2010/main" Requires="p14">
+      <p:transition spd="slow" p14:dur="2000"/>
+    </mc:Choice>
+    <mc:Fallback>
+      <p:transition spd="slow"/>
+    </mc:Fallback>
+  </mc:AlternateContent>
   <p:timing>
     <p:tnLst>
       <p:par>
@@ -32151,7 +32377,7 @@
 </file>
 
 <file path=ppt/slides/slide35.xml><?xml version="1.0" encoding="utf-8"?>
-<p:sld xmlns:a="http://schemas.openxmlformats.org/drawingml/2006/main" xmlns:r="http://schemas.openxmlformats.org/officeDocument/2006/relationships" xmlns:p="http://schemas.openxmlformats.org/presentationml/2006/main">
+<p:sld xmlns:a="http://schemas.openxmlformats.org/drawingml/2006/main" xmlns:r="http://schemas.openxmlformats.org/officeDocument/2006/relationships" xmlns:p="http://schemas.openxmlformats.org/presentationml/2006/main" show="0">
   <p:cSld>
     <p:spTree>
       <p:nvGrpSpPr>
@@ -32369,6 +32595,14 @@
   <p:clrMapOvr>
     <a:masterClrMapping/>
   </p:clrMapOvr>
+  <mc:AlternateContent xmlns:mc="http://schemas.openxmlformats.org/markup-compatibility/2006">
+    <mc:Choice xmlns:p14="http://schemas.microsoft.com/office/powerpoint/2010/main" Requires="p14">
+      <p:transition spd="slow" p14:dur="2000"/>
+    </mc:Choice>
+    <mc:Fallback>
+      <p:transition spd="slow"/>
+    </mc:Fallback>
+  </mc:AlternateContent>
   <p:timing>
     <p:tnLst>
       <p:par>
@@ -32380,7 +32614,7 @@
 </file>
 
 <file path=ppt/slides/slide36.xml><?xml version="1.0" encoding="utf-8"?>
-<p:sld xmlns:a="http://schemas.openxmlformats.org/drawingml/2006/main" xmlns:r="http://schemas.openxmlformats.org/officeDocument/2006/relationships" xmlns:p="http://schemas.openxmlformats.org/presentationml/2006/main">
+<p:sld xmlns:a="http://schemas.openxmlformats.org/drawingml/2006/main" xmlns:r="http://schemas.openxmlformats.org/officeDocument/2006/relationships" xmlns:p="http://schemas.openxmlformats.org/presentationml/2006/main" show="0">
   <p:cSld>
     <p:spTree>
       <p:nvGrpSpPr>
@@ -32539,6 +32773,14 @@
   <p:clrMapOvr>
     <a:masterClrMapping/>
   </p:clrMapOvr>
+  <mc:AlternateContent xmlns:mc="http://schemas.openxmlformats.org/markup-compatibility/2006">
+    <mc:Choice xmlns:p14="http://schemas.microsoft.com/office/powerpoint/2010/main" Requires="p14">
+      <p:transition spd="slow" p14:dur="2000"/>
+    </mc:Choice>
+    <mc:Fallback>
+      <p:transition spd="slow"/>
+    </mc:Fallback>
+  </mc:AlternateContent>
   <p:timing>
     <p:tnLst>
       <p:par>
@@ -32550,7 +32792,7 @@
 </file>
 
 <file path=ppt/slides/slide37.xml><?xml version="1.0" encoding="utf-8"?>
-<p:sld xmlns:a="http://schemas.openxmlformats.org/drawingml/2006/main" xmlns:r="http://schemas.openxmlformats.org/officeDocument/2006/relationships" xmlns:p="http://schemas.openxmlformats.org/presentationml/2006/main">
+<p:sld xmlns:a="http://schemas.openxmlformats.org/drawingml/2006/main" xmlns:r="http://schemas.openxmlformats.org/officeDocument/2006/relationships" xmlns:p="http://schemas.openxmlformats.org/presentationml/2006/main" show="0">
   <p:cSld>
     <p:spTree>
       <p:nvGrpSpPr>
@@ -32728,6 +32970,14 @@
   <p:clrMapOvr>
     <a:masterClrMapping/>
   </p:clrMapOvr>
+  <mc:AlternateContent xmlns:mc="http://schemas.openxmlformats.org/markup-compatibility/2006">
+    <mc:Choice xmlns:p14="http://schemas.microsoft.com/office/powerpoint/2010/main" Requires="p14">
+      <p:transition spd="slow" p14:dur="2000"/>
+    </mc:Choice>
+    <mc:Fallback>
+      <p:transition spd="slow"/>
+    </mc:Fallback>
+  </mc:AlternateContent>
   <p:timing>
     <p:tnLst>
       <p:par>
@@ -32739,7 +32989,7 @@
 </file>
 
 <file path=ppt/slides/slide38.xml><?xml version="1.0" encoding="utf-8"?>
-<p:sld xmlns:a="http://schemas.openxmlformats.org/drawingml/2006/main" xmlns:r="http://schemas.openxmlformats.org/officeDocument/2006/relationships" xmlns:p="http://schemas.openxmlformats.org/presentationml/2006/main">
+<p:sld xmlns:a="http://schemas.openxmlformats.org/drawingml/2006/main" xmlns:r="http://schemas.openxmlformats.org/officeDocument/2006/relationships" xmlns:p="http://schemas.openxmlformats.org/presentationml/2006/main" show="0">
   <p:cSld>
     <p:spTree>
       <p:nvGrpSpPr>
@@ -33085,6 +33335,14 @@
   <p:clrMapOvr>
     <a:masterClrMapping/>
   </p:clrMapOvr>
+  <mc:AlternateContent xmlns:mc="http://schemas.openxmlformats.org/markup-compatibility/2006">
+    <mc:Choice xmlns:p14="http://schemas.microsoft.com/office/powerpoint/2010/main" Requires="p14">
+      <p:transition spd="slow" p14:dur="2000"/>
+    </mc:Choice>
+    <mc:Fallback>
+      <p:transition spd="slow"/>
+    </mc:Fallback>
+  </mc:AlternateContent>
   <p:timing>
     <p:tnLst>
       <p:par>
@@ -33096,7 +33354,7 @@
 </file>
 
 <file path=ppt/slides/slide39.xml><?xml version="1.0" encoding="utf-8"?>
-<p:sld xmlns:a="http://schemas.openxmlformats.org/drawingml/2006/main" xmlns:r="http://schemas.openxmlformats.org/officeDocument/2006/relationships" xmlns:p="http://schemas.openxmlformats.org/presentationml/2006/main">
+<p:sld xmlns:a="http://schemas.openxmlformats.org/drawingml/2006/main" xmlns:r="http://schemas.openxmlformats.org/officeDocument/2006/relationships" xmlns:p="http://schemas.openxmlformats.org/presentationml/2006/main" show="0">
   <p:cSld>
     <p:spTree>
       <p:nvGrpSpPr>
@@ -33365,6 +33623,14 @@
   <p:clrMapOvr>
     <a:masterClrMapping/>
   </p:clrMapOvr>
+  <mc:AlternateContent xmlns:mc="http://schemas.openxmlformats.org/markup-compatibility/2006">
+    <mc:Choice xmlns:p14="http://schemas.microsoft.com/office/powerpoint/2010/main" Requires="p14">
+      <p:transition spd="slow" p14:dur="2000"/>
+    </mc:Choice>
+    <mc:Fallback>
+      <p:transition spd="slow"/>
+    </mc:Fallback>
+  </mc:AlternateContent>
   <p:timing>
     <p:tnLst>
       <p:par>
@@ -33442,19 +33708,7 @@
               <a:rPr lang="ru-RU" sz="4400" dirty="0" smtClean="0">
                 <a:sym typeface="Roboto Medium"/>
               </a:rPr>
-              <a:t>Задание </a:t>
-            </a:r>
-            <a:r>
-              <a:rPr lang="ru-RU" sz="4400" dirty="0" smtClean="0">
-                <a:sym typeface="Roboto Medium"/>
-              </a:rPr>
-              <a:t>3. </a:t>
-            </a:r>
-            <a:r>
-              <a:rPr lang="ru-RU" sz="4400" dirty="0" smtClean="0">
-                <a:sym typeface="Roboto Medium"/>
-              </a:rPr>
-              <a:t>Цели проекта</a:t>
+              <a:t>Задание 3. Цели проекта</a:t>
             </a:r>
             <a:endParaRPr sz="4400" dirty="0">
               <a:sym typeface="Roboto Medium"/>
@@ -33695,7 +33949,7 @@
             <a:graphicData uri="http://schemas.openxmlformats.org/presentationml/2006/ole">
               <mc:AlternateContent xmlns:mc="http://schemas.openxmlformats.org/markup-compatibility/2006">
                 <mc:Choice xmlns:v="urn:schemas-microsoft-com:vml" Requires="v">
-                  <p:oleObj spid="_x0000_s2071" name="CorelDRAW" r:id="rId4" imgW="2566457" imgH="894201" progId="CorelDraw.Graphic.22">
+                  <p:oleObj spid="_x0000_s2074" name="CorelDRAW" r:id="rId4" imgW="2566457" imgH="894201" progId="CorelDraw.Graphic.22">
                     <p:embed/>
                   </p:oleObj>
                 </mc:Choice>
@@ -35733,7 +35987,7 @@
         <p:spPr>
           <a:xfrm>
             <a:off x="286329" y="245084"/>
-            <a:ext cx="10921132" cy="1548502"/>
+            <a:ext cx="10921132" cy="1070149"/>
           </a:xfrm>
           <a:prstGeom prst="rect">
             <a:avLst/>
@@ -35770,19 +36024,7 @@
               <a:rPr lang="ru-RU" sz="4400" dirty="0" smtClean="0">
                 <a:sym typeface="Roboto Medium"/>
               </a:rPr>
-              <a:t>Задание </a:t>
-            </a:r>
-            <a:r>
-              <a:rPr lang="ru-RU" sz="4400" dirty="0" smtClean="0">
-                <a:sym typeface="Roboto Medium"/>
-              </a:rPr>
-              <a:t>4. </a:t>
-            </a:r>
-            <a:r>
-              <a:rPr lang="ru-RU" sz="4400" dirty="0" smtClean="0">
-                <a:sym typeface="Roboto Medium"/>
-              </a:rPr>
-              <a:t>Гипотезы проекта</a:t>
+              <a:t>Задание 4. Гипотезы проекта</a:t>
             </a:r>
             <a:endParaRPr sz="4400" dirty="0">
               <a:sym typeface="Roboto Medium"/>
@@ -35815,11 +36057,7 @@
             <a:pPr algn="l"/>
             <a:r>
               <a:rPr lang="ru-RU" dirty="0" smtClean="0"/>
-              <a:t>Постройте дерево метрик и проработайте специфику </a:t>
-            </a:r>
-            <a:r>
-              <a:rPr lang="ru-RU" dirty="0" smtClean="0"/>
-              <a:t>гипотез</a:t>
+              <a:t>Постройте дерево метрик и проработайте специфику гипотез</a:t>
             </a:r>
           </a:p>
           <a:p>
@@ -35845,11 +36083,7 @@
             </a:pPr>
             <a:r>
               <a:rPr lang="ru-RU" dirty="0" smtClean="0"/>
-              <a:t>Вариант 1 – Гипотезы каскадного </a:t>
-            </a:r>
-            <a:r>
-              <a:rPr lang="ru-RU" dirty="0" smtClean="0"/>
-              <a:t>документа</a:t>
+              <a:t>Вариант 1 – Гипотезы каскадного документа</a:t>
             </a:r>
             <a:r>
               <a:rPr lang="en-US" dirty="0" smtClean="0"/>
@@ -35872,11 +36106,7 @@
             </a:r>
             <a:r>
               <a:rPr lang="ru-RU" dirty="0" smtClean="0"/>
-              <a:t> </a:t>
-            </a:r>
-            <a:r>
-              <a:rPr lang="ru-RU" dirty="0" smtClean="0"/>
-              <a:t>– Через </a:t>
+              <a:t> – Через </a:t>
             </a:r>
             <a:r>
               <a:rPr lang="en-US" dirty="0" smtClean="0"/>
@@ -35884,13 +36114,8 @@
             </a:r>
             <a:r>
               <a:rPr lang="ru-RU" dirty="0" smtClean="0"/>
-              <a:t>(оценка сложности </a:t>
-            </a:r>
-            <a:r>
-              <a:rPr lang="ru-RU" dirty="0" smtClean="0"/>
-              <a:t>командой)</a:t>
-            </a:r>
-            <a:endParaRPr lang="ru-RU" dirty="0" smtClean="0"/>
+              <a:t>(оценка сложности командой)</a:t>
+            </a:r>
           </a:p>
           <a:p>
             <a:pPr algn="l">
@@ -35935,11 +36160,7 @@
             <a:pPr algn="l"/>
             <a:r>
               <a:rPr lang="ru-RU" dirty="0" smtClean="0"/>
-              <a:t>Выберите </a:t>
-            </a:r>
-            <a:r>
-              <a:rPr lang="ru-RU" dirty="0" smtClean="0"/>
-              <a:t>1 приоритетную гипотезу </a:t>
+              <a:t>Выберите 1 приоритетную гипотезу </a:t>
             </a:r>
           </a:p>
           <a:p>
@@ -36083,29 +36304,71 @@
             <a:pPr algn="l"/>
             <a:r>
               <a:rPr lang="ru-RU" dirty="0" smtClean="0"/>
-              <a:t>Проработать УГТ проекта и что они значат для решения</a:t>
-            </a:r>
+              <a:t>Проработать </a:t>
+            </a:r>
+            <a:r>
+              <a:rPr lang="ru-RU" dirty="0" smtClean="0"/>
+              <a:t>Риски и пути работы с ними, решения и определить наиболее критические риски</a:t>
+            </a:r>
+            <a:endParaRPr lang="ru-RU" dirty="0"/>
           </a:p>
           <a:p>
             <a:pPr algn="l"/>
             <a:r>
               <a:rPr lang="ru-RU" dirty="0" smtClean="0"/>
-              <a:t>Проработать Риски и пути работы с ними, решения и определить наиболее критические риски</a:t>
-            </a:r>
-            <a:endParaRPr lang="ru-RU" dirty="0"/>
+              <a:t>Разбить решение на </a:t>
+            </a:r>
+            <a:r>
+              <a:rPr lang="ru-RU" dirty="0" smtClean="0"/>
+              <a:t>этапы если нужно. </a:t>
+            </a:r>
+            <a:endParaRPr lang="ru-RU" dirty="0" smtClean="0"/>
           </a:p>
           <a:p>
             <a:pPr algn="l"/>
             <a:r>
               <a:rPr lang="ru-RU" dirty="0" smtClean="0"/>
-              <a:t>Разбить решение на этапы. </a:t>
-            </a:r>
-          </a:p>
-          <a:p>
-            <a:pPr algn="l"/>
+              <a:t>Каждый </a:t>
+            </a:r>
             <a:r>
               <a:rPr lang="ru-RU" dirty="0" smtClean="0"/>
-              <a:t>Каждый этап должен иметь критерии готовности, желательно тесты и </a:t>
+              <a:t>этап/ги</a:t>
+            </a:r>
+            <a:r>
+              <a:rPr lang="ru-RU" dirty="0" smtClean="0"/>
+              <a:t>потеза</a:t>
+            </a:r>
+            <a:r>
+              <a:rPr lang="ru-RU" dirty="0" smtClean="0"/>
+              <a:t> </a:t>
+            </a:r>
+            <a:r>
+              <a:rPr lang="ru-RU" dirty="0" smtClean="0"/>
+              <a:t>должен иметь критерии </a:t>
+            </a:r>
+            <a:r>
+              <a:rPr lang="ru-RU" dirty="0" smtClean="0"/>
+              <a:t>готовности </a:t>
+            </a:r>
+            <a:r>
+              <a:rPr lang="en-US" dirty="0" smtClean="0"/>
+              <a:t>(DOD), </a:t>
+            </a:r>
+            <a:r>
+              <a:rPr lang="ru-RU" dirty="0" smtClean="0"/>
+              <a:t>а критерии готовности приступить </a:t>
+            </a:r>
+            <a:r>
+              <a:rPr lang="en-US" dirty="0" smtClean="0"/>
+              <a:t>(DOR)</a:t>
+            </a:r>
+            <a:r>
+              <a:rPr lang="ru-RU" dirty="0" smtClean="0"/>
+              <a:t>, </a:t>
+            </a:r>
+            <a:r>
+              <a:rPr lang="ru-RU" dirty="0" smtClean="0"/>
+              <a:t>желательно тесты и </a:t>
             </a:r>
             <a:r>
               <a:rPr lang="ru-RU" dirty="0" err="1" smtClean="0"/>
@@ -36117,16 +36380,9 @@
             <a:pPr algn="l"/>
             <a:r>
               <a:rPr lang="ru-RU" dirty="0" smtClean="0"/>
-              <a:t>Построить диаграмму </a:t>
-            </a:r>
-            <a:r>
-              <a:rPr lang="ru-RU" dirty="0" err="1" smtClean="0"/>
-              <a:t>Ганта</a:t>
-            </a:r>
-            <a:r>
-              <a:rPr lang="ru-RU" dirty="0" smtClean="0"/>
-              <a:t> для решения (примерные итерации и шаги\этапы).</a:t>
-            </a:r>
+              <a:t> </a:t>
+            </a:r>
+            <a:endParaRPr lang="ru-RU" dirty="0" smtClean="0"/>
           </a:p>
           <a:p>
             <a:pPr algn="l"/>
@@ -36137,13 +36393,21 @@
           </a:p>
           <a:p>
             <a:pPr algn="l"/>
-            <a:endParaRPr lang="ru-RU" dirty="0"/>
-          </a:p>
-          <a:p>
-            <a:pPr algn="l"/>
             <a:r>
               <a:rPr lang="ru-RU" dirty="0" smtClean="0"/>
-              <a:t>Гипотезы, которые проверены не правильно, опасны!</a:t>
+              <a:t>Гипотезы</a:t>
+            </a:r>
+            <a:r>
+              <a:rPr lang="ru-RU" dirty="0" smtClean="0"/>
+              <a:t>, которые </a:t>
+            </a:r>
+            <a:r>
+              <a:rPr lang="ru-RU" dirty="0" smtClean="0"/>
+              <a:t>построены и проверены </a:t>
+            </a:r>
+            <a:r>
+              <a:rPr lang="ru-RU" dirty="0" smtClean="0"/>
+              <a:t>не правильно, опасны!</a:t>
             </a:r>
           </a:p>
         </p:txBody>
